--- a/fig/model/table1.pptx
+++ b/fig/model/table1.pptx
@@ -104,6 +104,11 @@
       </a:defRPr>
     </a:lvl9pPr>
   </p:defaultTextStyle>
+  <p:extLst>
+    <p:ext uri="{EFAFB233-063F-42B5-8137-9DF3F51BA10A}">
+      <p15:sldGuideLst xmlns:p15="http://schemas.microsoft.com/office/powerpoint/2012/main"/>
+    </p:ext>
+  </p:extLst>
 </p:presentation>
 </file>
 
@@ -254,7 +259,7 @@
           <a:p>
             <a:fld id="{96132B7A-14F9-4B03-9E81-9B4B4A3BEE0D}" type="datetimeFigureOut">
               <a:rPr kumimoji="1" lang="ja-JP" altLang="en-US" smtClean="0"/>
-              <a:t>2021/1/19</a:t>
+              <a:t>2021/1/20</a:t>
             </a:fld>
             <a:endParaRPr kumimoji="1" lang="ja-JP" altLang="en-US"/>
           </a:p>
@@ -484,7 +489,7 @@
           <a:p>
             <a:fld id="{96132B7A-14F9-4B03-9E81-9B4B4A3BEE0D}" type="datetimeFigureOut">
               <a:rPr kumimoji="1" lang="ja-JP" altLang="en-US" smtClean="0"/>
-              <a:t>2021/1/19</a:t>
+              <a:t>2021/1/20</a:t>
             </a:fld>
             <a:endParaRPr kumimoji="1" lang="ja-JP" altLang="en-US"/>
           </a:p>
@@ -724,7 +729,7 @@
           <a:p>
             <a:fld id="{96132B7A-14F9-4B03-9E81-9B4B4A3BEE0D}" type="datetimeFigureOut">
               <a:rPr kumimoji="1" lang="ja-JP" altLang="en-US" smtClean="0"/>
-              <a:t>2021/1/19</a:t>
+              <a:t>2021/1/20</a:t>
             </a:fld>
             <a:endParaRPr kumimoji="1" lang="ja-JP" altLang="en-US"/>
           </a:p>
@@ -954,7 +959,7 @@
           <a:p>
             <a:fld id="{96132B7A-14F9-4B03-9E81-9B4B4A3BEE0D}" type="datetimeFigureOut">
               <a:rPr kumimoji="1" lang="ja-JP" altLang="en-US" smtClean="0"/>
-              <a:t>2021/1/19</a:t>
+              <a:t>2021/1/20</a:t>
             </a:fld>
             <a:endParaRPr kumimoji="1" lang="ja-JP" altLang="en-US"/>
           </a:p>
@@ -1229,7 +1234,7 @@
           <a:p>
             <a:fld id="{96132B7A-14F9-4B03-9E81-9B4B4A3BEE0D}" type="datetimeFigureOut">
               <a:rPr kumimoji="1" lang="ja-JP" altLang="en-US" smtClean="0"/>
-              <a:t>2021/1/19</a:t>
+              <a:t>2021/1/20</a:t>
             </a:fld>
             <a:endParaRPr kumimoji="1" lang="ja-JP" altLang="en-US"/>
           </a:p>
@@ -1558,7 +1563,7 @@
           <a:p>
             <a:fld id="{96132B7A-14F9-4B03-9E81-9B4B4A3BEE0D}" type="datetimeFigureOut">
               <a:rPr kumimoji="1" lang="ja-JP" altLang="en-US" smtClean="0"/>
-              <a:t>2021/1/19</a:t>
+              <a:t>2021/1/20</a:t>
             </a:fld>
             <a:endParaRPr kumimoji="1" lang="ja-JP" altLang="en-US"/>
           </a:p>
@@ -2034,7 +2039,7 @@
           <a:p>
             <a:fld id="{96132B7A-14F9-4B03-9E81-9B4B4A3BEE0D}" type="datetimeFigureOut">
               <a:rPr kumimoji="1" lang="ja-JP" altLang="en-US" smtClean="0"/>
-              <a:t>2021/1/19</a:t>
+              <a:t>2021/1/20</a:t>
             </a:fld>
             <a:endParaRPr kumimoji="1" lang="ja-JP" altLang="en-US"/>
           </a:p>
@@ -2175,7 +2180,7 @@
           <a:p>
             <a:fld id="{96132B7A-14F9-4B03-9E81-9B4B4A3BEE0D}" type="datetimeFigureOut">
               <a:rPr kumimoji="1" lang="ja-JP" altLang="en-US" smtClean="0"/>
-              <a:t>2021/1/19</a:t>
+              <a:t>2021/1/20</a:t>
             </a:fld>
             <a:endParaRPr kumimoji="1" lang="ja-JP" altLang="en-US"/>
           </a:p>
@@ -2288,7 +2293,7 @@
           <a:p>
             <a:fld id="{96132B7A-14F9-4B03-9E81-9B4B4A3BEE0D}" type="datetimeFigureOut">
               <a:rPr kumimoji="1" lang="ja-JP" altLang="en-US" smtClean="0"/>
-              <a:t>2021/1/19</a:t>
+              <a:t>2021/1/20</a:t>
             </a:fld>
             <a:endParaRPr kumimoji="1" lang="ja-JP" altLang="en-US"/>
           </a:p>
@@ -2631,7 +2636,7 @@
           <a:p>
             <a:fld id="{96132B7A-14F9-4B03-9E81-9B4B4A3BEE0D}" type="datetimeFigureOut">
               <a:rPr kumimoji="1" lang="ja-JP" altLang="en-US" smtClean="0"/>
-              <a:t>2021/1/19</a:t>
+              <a:t>2021/1/20</a:t>
             </a:fld>
             <a:endParaRPr kumimoji="1" lang="ja-JP" altLang="en-US"/>
           </a:p>
@@ -2919,7 +2924,7 @@
           <a:p>
             <a:fld id="{96132B7A-14F9-4B03-9E81-9B4B4A3BEE0D}" type="datetimeFigureOut">
               <a:rPr kumimoji="1" lang="ja-JP" altLang="en-US" smtClean="0"/>
-              <a:t>2021/1/19</a:t>
+              <a:t>2021/1/20</a:t>
             </a:fld>
             <a:endParaRPr kumimoji="1" lang="ja-JP" altLang="en-US"/>
           </a:p>
@@ -3192,7 +3197,7 @@
           <a:p>
             <a:fld id="{96132B7A-14F9-4B03-9E81-9B4B4A3BEE0D}" type="datetimeFigureOut">
               <a:rPr kumimoji="1" lang="ja-JP" altLang="en-US" smtClean="0"/>
-              <a:t>2021/1/19</a:t>
+              <a:t>2021/1/20</a:t>
             </a:fld>
             <a:endParaRPr kumimoji="1" lang="ja-JP" altLang="en-US"/>
           </a:p>
@@ -3626,14 +3631,14 @@
               <p:nvPr>
                 <p:extLst>
                   <p:ext uri="{D42A27DB-BD31-4B8C-83A1-F6EECF244321}">
-                    <p14:modId xmlns:p14="http://schemas.microsoft.com/office/powerpoint/2010/main" val="4185186725"/>
+                    <p14:modId xmlns:p14="http://schemas.microsoft.com/office/powerpoint/2010/main" val="3180575808"/>
                   </p:ext>
                 </p:extLst>
               </p:nvPr>
             </p:nvGraphicFramePr>
             <p:xfrm>
               <a:off x="1330779" y="1664946"/>
-              <a:ext cx="4196442" cy="2394678"/>
+              <a:ext cx="4196442" cy="2010130"/>
             </p:xfrm>
             <a:graphic>
               <a:graphicData uri="http://schemas.openxmlformats.org/drawingml/2006/table">
@@ -3817,195 +3822,6 @@
                       </a:ext>
                     </a:extLst>
                   </a:tr>
-                  <a:tr h="384548">
-                    <a:tc>
-                      <a:txBody>
-                        <a:bodyPr/>
-                        <a:lstStyle/>
-                        <a:p>
-                          <a:pPr algn="ctr"/>
-                          <a:r>
-                            <a:rPr kumimoji="1" lang="ja-JP" altLang="en-US" sz="1400" dirty="0">
-                              <a:solidFill>
-                                <a:sysClr val="windowText" lastClr="000000"/>
-                              </a:solidFill>
-                              <a:latin typeface="HG明朝B" panose="02020809000000000000" pitchFamily="17" charset="-128"/>
-                              <a:ea typeface="HG明朝B" panose="02020809000000000000" pitchFamily="17" charset="-128"/>
-                            </a:rPr>
-                            <a:t>惑星半径 </a:t>
-                          </a:r>
-                          <a:r>
-                            <a:rPr kumimoji="1" lang="en-US" altLang="ja-JP" sz="1400" dirty="0">
-                              <a:solidFill>
-                                <a:sysClr val="windowText" lastClr="000000"/>
-                              </a:solidFill>
-                              <a:latin typeface="HG明朝B" panose="02020809000000000000" pitchFamily="17" charset="-128"/>
-                              <a:ea typeface="HG明朝B" panose="02020809000000000000" pitchFamily="17" charset="-128"/>
-                            </a:rPr>
-                            <a:t>[m]</a:t>
-                          </a:r>
-                          <a:endParaRPr kumimoji="1" lang="ja-JP" altLang="en-US" sz="1400" dirty="0">
-                            <a:solidFill>
-                              <a:sysClr val="windowText" lastClr="000000"/>
-                            </a:solidFill>
-                            <a:latin typeface="HG明朝B" panose="02020809000000000000" pitchFamily="17" charset="-128"/>
-                            <a:ea typeface="HG明朝B" panose="02020809000000000000" pitchFamily="17" charset="-128"/>
-                          </a:endParaRPr>
-                        </a:p>
-                      </a:txBody>
-                      <a:tcPr>
-                        <a:lnL w="12700" cap="flat" cmpd="sng" algn="ctr">
-                          <a:solidFill>
-                            <a:schemeClr val="tx1"/>
-                          </a:solidFill>
-                          <a:prstDash val="solid"/>
-                          <a:round/>
-                          <a:headEnd type="none" w="med" len="med"/>
-                          <a:tailEnd type="none" w="med" len="med"/>
-                        </a:lnL>
-                        <a:lnR w="12700" cap="flat" cmpd="sng" algn="ctr">
-                          <a:solidFill>
-                            <a:schemeClr val="tx1"/>
-                          </a:solidFill>
-                          <a:prstDash val="solid"/>
-                          <a:round/>
-                          <a:headEnd type="none" w="med" len="med"/>
-                          <a:tailEnd type="none" w="med" len="med"/>
-                        </a:lnR>
-                        <a:lnT w="12700" cap="flat" cmpd="sng" algn="ctr">
-                          <a:solidFill>
-                            <a:schemeClr val="tx1"/>
-                          </a:solidFill>
-                          <a:prstDash val="solid"/>
-                          <a:round/>
-                          <a:headEnd type="none" w="med" len="med"/>
-                          <a:tailEnd type="none" w="med" len="med"/>
-                        </a:lnT>
-                        <a:lnB w="12700" cap="flat" cmpd="sng" algn="ctr">
-                          <a:solidFill>
-                            <a:schemeClr val="tx1"/>
-                          </a:solidFill>
-                          <a:prstDash val="solid"/>
-                          <a:round/>
-                          <a:headEnd type="none" w="med" len="med"/>
-                          <a:tailEnd type="none" w="med" len="med"/>
-                        </a:lnB>
-                        <a:noFill/>
-                      </a:tcPr>
-                    </a:tc>
-                    <a:tc>
-                      <a:txBody>
-                        <a:bodyPr/>
-                        <a:lstStyle/>
-                        <a:p>
-                          <a:pPr algn="ctr"/>
-                          <a14:m>
-                            <m:oMathPara xmlns:m="http://schemas.openxmlformats.org/officeDocument/2006/math">
-                              <m:oMathParaPr>
-                                <m:jc m:val="centerGroup"/>
-                              </m:oMathParaPr>
-                              <m:oMath xmlns:m="http://schemas.openxmlformats.org/officeDocument/2006/math">
-                                <m:r>
-                                  <a:rPr kumimoji="1" lang="en-US" altLang="ja-JP" sz="1400" b="0" i="1" smtClean="0">
-                                    <a:solidFill>
-                                      <a:sysClr val="windowText" lastClr="000000"/>
-                                    </a:solidFill>
-                                    <a:latin typeface="Cambria Math" panose="02040503050406030204" pitchFamily="18" charset="0"/>
-                                  </a:rPr>
-                                  <m:t>7.14×</m:t>
-                                </m:r>
-                                <m:sSup>
-                                  <m:sSupPr>
-                                    <m:ctrlPr>
-                                      <a:rPr kumimoji="1" lang="en-US" altLang="ja-JP" sz="1400" b="0" i="1" smtClean="0">
-                                        <a:solidFill>
-                                          <a:sysClr val="windowText" lastClr="000000"/>
-                                        </a:solidFill>
-                                        <a:latin typeface="Cambria Math" panose="02040503050406030204" pitchFamily="18" charset="0"/>
-                                      </a:rPr>
-                                    </m:ctrlPr>
-                                  </m:sSupPr>
-                                  <m:e>
-                                    <m:r>
-                                      <a:rPr kumimoji="1" lang="en-US" altLang="ja-JP" sz="1400" b="0" i="1" smtClean="0">
-                                        <a:solidFill>
-                                          <a:sysClr val="windowText" lastClr="000000"/>
-                                        </a:solidFill>
-                                        <a:latin typeface="Cambria Math" panose="02040503050406030204" pitchFamily="18" charset="0"/>
-                                      </a:rPr>
-                                      <m:t>10</m:t>
-                                    </m:r>
-                                  </m:e>
-                                  <m:sup>
-                                    <m:r>
-                                      <a:rPr kumimoji="1" lang="en-US" altLang="ja-JP" sz="1400" b="0" i="1" smtClean="0">
-                                        <a:solidFill>
-                                          <a:sysClr val="windowText" lastClr="000000"/>
-                                        </a:solidFill>
-                                        <a:latin typeface="Cambria Math" panose="02040503050406030204" pitchFamily="18" charset="0"/>
-                                      </a:rPr>
-                                      <m:t>4</m:t>
-                                    </m:r>
-                                  </m:sup>
-                                </m:sSup>
-                              </m:oMath>
-                            </m:oMathPara>
-                          </a14:m>
-                          <a:endParaRPr kumimoji="1" lang="ja-JP" altLang="en-US" sz="1400" dirty="0">
-                            <a:solidFill>
-                              <a:sysClr val="windowText" lastClr="000000"/>
-                            </a:solidFill>
-                            <a:latin typeface="HG明朝B" panose="02020809000000000000" pitchFamily="17" charset="-128"/>
-                            <a:ea typeface="HG明朝B" panose="02020809000000000000" pitchFamily="17" charset="-128"/>
-                          </a:endParaRPr>
-                        </a:p>
-                      </a:txBody>
-                      <a:tcPr>
-                        <a:lnL w="12700" cap="flat" cmpd="sng" algn="ctr">
-                          <a:solidFill>
-                            <a:schemeClr val="tx1"/>
-                          </a:solidFill>
-                          <a:prstDash val="solid"/>
-                          <a:round/>
-                          <a:headEnd type="none" w="med" len="med"/>
-                          <a:tailEnd type="none" w="med" len="med"/>
-                        </a:lnL>
-                        <a:lnR w="12700" cap="flat" cmpd="sng" algn="ctr">
-                          <a:solidFill>
-                            <a:schemeClr val="tx1"/>
-                          </a:solidFill>
-                          <a:prstDash val="solid"/>
-                          <a:round/>
-                          <a:headEnd type="none" w="med" len="med"/>
-                          <a:tailEnd type="none" w="med" len="med"/>
-                        </a:lnR>
-                        <a:lnT w="12700" cap="flat" cmpd="sng" algn="ctr">
-                          <a:solidFill>
-                            <a:schemeClr val="tx1"/>
-                          </a:solidFill>
-                          <a:prstDash val="solid"/>
-                          <a:round/>
-                          <a:headEnd type="none" w="med" len="med"/>
-                          <a:tailEnd type="none" w="med" len="med"/>
-                        </a:lnT>
-                        <a:lnB w="12700" cap="flat" cmpd="sng" algn="ctr">
-                          <a:solidFill>
-                            <a:schemeClr val="tx1"/>
-                          </a:solidFill>
-                          <a:prstDash val="solid"/>
-                          <a:round/>
-                          <a:headEnd type="none" w="med" len="med"/>
-                          <a:tailEnd type="none" w="med" len="med"/>
-                        </a:lnB>
-                        <a:noFill/>
-                      </a:tcPr>
-                    </a:tc>
-                    <a:extLst>
-                      <a:ext uri="{0D108BD9-81ED-4DB2-BD59-A6C34878D82A}">
-                        <a16:rowId xmlns:a16="http://schemas.microsoft.com/office/drawing/2014/main" val="2191004678"/>
-                      </a:ext>
-                    </a:extLst>
-                  </a:tr>
                   <a:tr h="402026">
                     <a:tc>
                       <a:txBody>
@@ -4038,7 +3854,7 @@
                               <m:sSup>
                                 <m:sSupPr>
                                   <m:ctrlPr>
-                                    <a:rPr kumimoji="1" lang="en-US" altLang="ja-JP" sz="1400" b="0" i="0" smtClean="0">
+                                    <a:rPr kumimoji="1" lang="en-US" altLang="ja-JP" sz="1400" b="0" i="1" smtClean="0">
                                       <a:solidFill>
                                         <a:sysClr val="windowText" lastClr="000000"/>
                                       </a:solidFill>
@@ -4316,7 +4132,7 @@
                               <m:sSup>
                                 <m:sSupPr>
                                   <m:ctrlPr>
-                                    <a:rPr kumimoji="1" lang="en-US" altLang="ja-JP" sz="1400" b="0" i="0" smtClean="0">
+                                    <a:rPr kumimoji="1" lang="en-US" altLang="ja-JP" sz="1400" b="0" i="1" smtClean="0">
                                       <a:solidFill>
                                         <a:sysClr val="windowText" lastClr="000000"/>
                                       </a:solidFill>
@@ -4798,14 +4614,14 @@
               <p:nvPr>
                 <p:extLst>
                   <p:ext uri="{D42A27DB-BD31-4B8C-83A1-F6EECF244321}">
-                    <p14:modId xmlns:p14="http://schemas.microsoft.com/office/powerpoint/2010/main" val="4185186725"/>
+                    <p14:modId xmlns:p14="http://schemas.microsoft.com/office/powerpoint/2010/main" val="3180575808"/>
                   </p:ext>
                 </p:extLst>
               </p:nvPr>
             </p:nvGraphicFramePr>
             <p:xfrm>
               <a:off x="1330779" y="1664946"/>
-              <a:ext cx="4196442" cy="2394678"/>
+              <a:ext cx="4196442" cy="2010130"/>
             </p:xfrm>
             <a:graphic>
               <a:graphicData uri="http://schemas.openxmlformats.org/drawingml/2006/table">
@@ -4989,141 +4805,6 @@
                       </a:ext>
                     </a:extLst>
                   </a:tr>
-                  <a:tr h="384548">
-                    <a:tc>
-                      <a:txBody>
-                        <a:bodyPr/>
-                        <a:lstStyle/>
-                        <a:p>
-                          <a:pPr algn="ctr"/>
-                          <a:r>
-                            <a:rPr kumimoji="1" lang="ja-JP" altLang="en-US" sz="1400" dirty="0">
-                              <a:solidFill>
-                                <a:sysClr val="windowText" lastClr="000000"/>
-                              </a:solidFill>
-                              <a:latin typeface="HG明朝B" panose="02020809000000000000" pitchFamily="17" charset="-128"/>
-                              <a:ea typeface="HG明朝B" panose="02020809000000000000" pitchFamily="17" charset="-128"/>
-                            </a:rPr>
-                            <a:t>惑星半径 </a:t>
-                          </a:r>
-                          <a:r>
-                            <a:rPr kumimoji="1" lang="en-US" altLang="ja-JP" sz="1400" dirty="0">
-                              <a:solidFill>
-                                <a:sysClr val="windowText" lastClr="000000"/>
-                              </a:solidFill>
-                              <a:latin typeface="HG明朝B" panose="02020809000000000000" pitchFamily="17" charset="-128"/>
-                              <a:ea typeface="HG明朝B" panose="02020809000000000000" pitchFamily="17" charset="-128"/>
-                            </a:rPr>
-                            <a:t>[m]</a:t>
-                          </a:r>
-                          <a:endParaRPr kumimoji="1" lang="ja-JP" altLang="en-US" sz="1400" dirty="0">
-                            <a:solidFill>
-                              <a:sysClr val="windowText" lastClr="000000"/>
-                            </a:solidFill>
-                            <a:latin typeface="HG明朝B" panose="02020809000000000000" pitchFamily="17" charset="-128"/>
-                            <a:ea typeface="HG明朝B" panose="02020809000000000000" pitchFamily="17" charset="-128"/>
-                          </a:endParaRPr>
-                        </a:p>
-                      </a:txBody>
-                      <a:tcPr>
-                        <a:lnL w="12700" cap="flat" cmpd="sng" algn="ctr">
-                          <a:solidFill>
-                            <a:schemeClr val="tx1"/>
-                          </a:solidFill>
-                          <a:prstDash val="solid"/>
-                          <a:round/>
-                          <a:headEnd type="none" w="med" len="med"/>
-                          <a:tailEnd type="none" w="med" len="med"/>
-                        </a:lnL>
-                        <a:lnR w="12700" cap="flat" cmpd="sng" algn="ctr">
-                          <a:solidFill>
-                            <a:schemeClr val="tx1"/>
-                          </a:solidFill>
-                          <a:prstDash val="solid"/>
-                          <a:round/>
-                          <a:headEnd type="none" w="med" len="med"/>
-                          <a:tailEnd type="none" w="med" len="med"/>
-                        </a:lnR>
-                        <a:lnT w="12700" cap="flat" cmpd="sng" algn="ctr">
-                          <a:solidFill>
-                            <a:schemeClr val="tx1"/>
-                          </a:solidFill>
-                          <a:prstDash val="solid"/>
-                          <a:round/>
-                          <a:headEnd type="none" w="med" len="med"/>
-                          <a:tailEnd type="none" w="med" len="med"/>
-                        </a:lnT>
-                        <a:lnB w="12700" cap="flat" cmpd="sng" algn="ctr">
-                          <a:solidFill>
-                            <a:schemeClr val="tx1"/>
-                          </a:solidFill>
-                          <a:prstDash val="solid"/>
-                          <a:round/>
-                          <a:headEnd type="none" w="med" len="med"/>
-                          <a:tailEnd type="none" w="med" len="med"/>
-                        </a:lnB>
-                        <a:noFill/>
-                      </a:tcPr>
-                    </a:tc>
-                    <a:tc>
-                      <a:txBody>
-                        <a:bodyPr/>
-                        <a:lstStyle/>
-                        <a:p>
-                          <a:endParaRPr lang="ja-JP"/>
-                        </a:p>
-                      </a:txBody>
-                      <a:tcPr>
-                        <a:lnL w="12700" cap="flat" cmpd="sng" algn="ctr">
-                          <a:solidFill>
-                            <a:schemeClr val="tx1"/>
-                          </a:solidFill>
-                          <a:prstDash val="solid"/>
-                          <a:round/>
-                          <a:headEnd type="none" w="med" len="med"/>
-                          <a:tailEnd type="none" w="med" len="med"/>
-                        </a:lnL>
-                        <a:lnR w="12700" cap="flat" cmpd="sng" algn="ctr">
-                          <a:solidFill>
-                            <a:schemeClr val="tx1"/>
-                          </a:solidFill>
-                          <a:prstDash val="solid"/>
-                          <a:round/>
-                          <a:headEnd type="none" w="med" len="med"/>
-                          <a:tailEnd type="none" w="med" len="med"/>
-                        </a:lnR>
-                        <a:lnT w="12700" cap="flat" cmpd="sng" algn="ctr">
-                          <a:solidFill>
-                            <a:schemeClr val="tx1"/>
-                          </a:solidFill>
-                          <a:prstDash val="solid"/>
-                          <a:round/>
-                          <a:headEnd type="none" w="med" len="med"/>
-                          <a:tailEnd type="none" w="med" len="med"/>
-                        </a:lnT>
-                        <a:lnB w="12700" cap="flat" cmpd="sng" algn="ctr">
-                          <a:solidFill>
-                            <a:schemeClr val="tx1"/>
-                          </a:solidFill>
-                          <a:prstDash val="solid"/>
-                          <a:round/>
-                          <a:headEnd type="none" w="med" len="med"/>
-                          <a:tailEnd type="none" w="med" len="med"/>
-                        </a:lnB>
-                        <a:blipFill>
-                          <a:blip r:embed="rId2"/>
-                          <a:stretch>
-                            <a:fillRect l="-100581" t="-107937" r="-581" b="-423810"/>
-                          </a:stretch>
-                        </a:blipFill>
-                      </a:tcPr>
-                    </a:tc>
-                    <a:extLst>
-                      <a:ext uri="{0D108BD9-81ED-4DB2-BD59-A6C34878D82A}">
-                        <a16:rowId xmlns:a16="http://schemas.microsoft.com/office/drawing/2014/main" val="2191004678"/>
-                      </a:ext>
-                    </a:extLst>
-                  </a:tr>
                   <a:tr h="402026">
                     <a:tc>
                       <a:txBody>
@@ -5173,7 +4854,7 @@
                         <a:blipFill>
                           <a:blip r:embed="rId2"/>
                           <a:stretch>
-                            <a:fillRect l="-290" t="-198485" r="-100290" b="-304545"/>
+                            <a:fillRect l="-290" t="-103030" r="-100290" b="-303030"/>
                           </a:stretch>
                         </a:blipFill>
                       </a:tcPr>
@@ -5226,7 +4907,7 @@
                         <a:blipFill>
                           <a:blip r:embed="rId2"/>
                           <a:stretch>
-                            <a:fillRect l="-100581" t="-198485" r="-581" b="-304545"/>
+                            <a:fillRect l="-100581" t="-103030" r="-581" b="-303030"/>
                           </a:stretch>
                         </a:blipFill>
                       </a:tcPr>
@@ -5286,7 +4967,7 @@
                         <a:blipFill>
                           <a:blip r:embed="rId2"/>
                           <a:stretch>
-                            <a:fillRect l="-290" t="-298485" r="-100290" b="-204545"/>
+                            <a:fillRect l="-290" t="-203030" r="-100290" b="-203030"/>
                           </a:stretch>
                         </a:blipFill>
                       </a:tcPr>
@@ -5339,7 +5020,7 @@
                         <a:blipFill>
                           <a:blip r:embed="rId2"/>
                           <a:stretch>
-                            <a:fillRect l="-100581" t="-298485" r="-581" b="-204545"/>
+                            <a:fillRect l="-100581" t="-203030" r="-581" b="-203030"/>
                           </a:stretch>
                         </a:blipFill>
                       </a:tcPr>
